--- a/source/ppt/js常见设计模式.pptx
+++ b/source/ppt/js常见设计模式.pptx
@@ -6240,66 +6240,6 @@
               </a:rPr>
               <a:t>汇报人：     时间：</a:t>
             </a:r>
-            <a:r>
-              <a:rPr lang="en-US" altLang="zh-CN" dirty="0">
-                <a:solidFill>
-                  <a:srgbClr val="002060"/>
-                </a:solidFill>
-                <a:latin typeface="微软雅黑" panose="020B0503020204020204" pitchFamily="34" charset="-122"/>
-                <a:ea typeface="微软雅黑" panose="020B0503020204020204" pitchFamily="34" charset="-122"/>
-              </a:rPr>
-              <a:t>2020</a:t>
-            </a:r>
-            <a:r>
-              <a:rPr lang="zh-CN" altLang="en-US" dirty="0">
-                <a:solidFill>
-                  <a:srgbClr val="002060"/>
-                </a:solidFill>
-                <a:latin typeface="微软雅黑" panose="020B0503020204020204" pitchFamily="34" charset="-122"/>
-                <a:ea typeface="微软雅黑" panose="020B0503020204020204" pitchFamily="34" charset="-122"/>
-              </a:rPr>
-              <a:t>年</a:t>
-            </a:r>
-            <a:r>
-              <a:rPr lang="en-US" altLang="zh-CN" dirty="0">
-                <a:solidFill>
-                  <a:srgbClr val="002060"/>
-                </a:solidFill>
-                <a:latin typeface="微软雅黑" panose="020B0503020204020204" pitchFamily="34" charset="-122"/>
-                <a:ea typeface="微软雅黑" panose="020B0503020204020204" pitchFamily="34" charset="-122"/>
-              </a:rPr>
-              <a:t>09</a:t>
-            </a:r>
-            <a:r>
-              <a:rPr lang="zh-CN" altLang="en-US" dirty="0">
-                <a:solidFill>
-                  <a:srgbClr val="002060"/>
-                </a:solidFill>
-                <a:latin typeface="微软雅黑" panose="020B0503020204020204" pitchFamily="34" charset="-122"/>
-                <a:ea typeface="微软雅黑" panose="020B0503020204020204" pitchFamily="34" charset="-122"/>
-              </a:rPr>
-              <a:t>月</a:t>
-            </a:r>
-            <a:r>
-              <a:rPr lang="en-US" altLang="zh-CN" dirty="0">
-                <a:solidFill>
-                  <a:srgbClr val="002060"/>
-                </a:solidFill>
-                <a:latin typeface="微软雅黑" panose="020B0503020204020204" pitchFamily="34" charset="-122"/>
-                <a:ea typeface="微软雅黑" panose="020B0503020204020204" pitchFamily="34" charset="-122"/>
-              </a:rPr>
-              <a:t>24</a:t>
-            </a:r>
-            <a:r>
-              <a:rPr lang="zh-CN" altLang="en-US" dirty="0">
-                <a:solidFill>
-                  <a:srgbClr val="002060"/>
-                </a:solidFill>
-                <a:latin typeface="微软雅黑" panose="020B0503020204020204" pitchFamily="34" charset="-122"/>
-                <a:ea typeface="微软雅黑" panose="020B0503020204020204" pitchFamily="34" charset="-122"/>
-              </a:rPr>
-              <a:t>号</a:t>
-            </a:r>
             <a:endParaRPr lang="zh-CN" altLang="en-US" dirty="0">
               <a:solidFill>
                 <a:srgbClr val="002060"/>
